--- a/readme.pptx
+++ b/readme.pptx
@@ -290,7 +290,7 @@
             <a:fld id="{FB30EDBD-1C2D-4C1E-B459-B60219FAB484}" type="datetimeFigureOut">
               <a:rPr lang="ko-KR" altLang="en-US" smtClean="0"/>
               <a:pPr/>
-              <a:t>2017-08-14</a:t>
+              <a:t>2017-08-16</a:t>
             </a:fld>
             <a:endParaRPr lang="ko-KR" altLang="en-US"/>
           </a:p>
@@ -457,7 +457,7 @@
             <a:fld id="{FB30EDBD-1C2D-4C1E-B459-B60219FAB484}" type="datetimeFigureOut">
               <a:rPr lang="ko-KR" altLang="en-US" smtClean="0"/>
               <a:pPr/>
-              <a:t>2017-08-14</a:t>
+              <a:t>2017-08-16</a:t>
             </a:fld>
             <a:endParaRPr lang="ko-KR" altLang="en-US"/>
           </a:p>
@@ -634,7 +634,7 @@
             <a:fld id="{FB30EDBD-1C2D-4C1E-B459-B60219FAB484}" type="datetimeFigureOut">
               <a:rPr lang="ko-KR" altLang="en-US" smtClean="0"/>
               <a:pPr/>
-              <a:t>2017-08-14</a:t>
+              <a:t>2017-08-16</a:t>
             </a:fld>
             <a:endParaRPr lang="ko-KR" altLang="en-US"/>
           </a:p>
@@ -801,7 +801,7 @@
             <a:fld id="{FB30EDBD-1C2D-4C1E-B459-B60219FAB484}" type="datetimeFigureOut">
               <a:rPr lang="ko-KR" altLang="en-US" smtClean="0"/>
               <a:pPr/>
-              <a:t>2017-08-14</a:t>
+              <a:t>2017-08-16</a:t>
             </a:fld>
             <a:endParaRPr lang="ko-KR" altLang="en-US"/>
           </a:p>
@@ -1044,7 +1044,7 @@
             <a:fld id="{FB30EDBD-1C2D-4C1E-B459-B60219FAB484}" type="datetimeFigureOut">
               <a:rPr lang="ko-KR" altLang="en-US" smtClean="0"/>
               <a:pPr/>
-              <a:t>2017-08-14</a:t>
+              <a:t>2017-08-16</a:t>
             </a:fld>
             <a:endParaRPr lang="ko-KR" altLang="en-US"/>
           </a:p>
@@ -1329,7 +1329,7 @@
             <a:fld id="{FB30EDBD-1C2D-4C1E-B459-B60219FAB484}" type="datetimeFigureOut">
               <a:rPr lang="ko-KR" altLang="en-US" smtClean="0"/>
               <a:pPr/>
-              <a:t>2017-08-14</a:t>
+              <a:t>2017-08-16</a:t>
             </a:fld>
             <a:endParaRPr lang="ko-KR" altLang="en-US"/>
           </a:p>
@@ -1748,7 +1748,7 @@
             <a:fld id="{FB30EDBD-1C2D-4C1E-B459-B60219FAB484}" type="datetimeFigureOut">
               <a:rPr lang="ko-KR" altLang="en-US" smtClean="0"/>
               <a:pPr/>
-              <a:t>2017-08-14</a:t>
+              <a:t>2017-08-16</a:t>
             </a:fld>
             <a:endParaRPr lang="ko-KR" altLang="en-US"/>
           </a:p>
@@ -1863,7 +1863,7 @@
             <a:fld id="{FB30EDBD-1C2D-4C1E-B459-B60219FAB484}" type="datetimeFigureOut">
               <a:rPr lang="ko-KR" altLang="en-US" smtClean="0"/>
               <a:pPr/>
-              <a:t>2017-08-14</a:t>
+              <a:t>2017-08-16</a:t>
             </a:fld>
             <a:endParaRPr lang="ko-KR" altLang="en-US"/>
           </a:p>
@@ -1955,7 +1955,7 @@
             <a:fld id="{FB30EDBD-1C2D-4C1E-B459-B60219FAB484}" type="datetimeFigureOut">
               <a:rPr lang="ko-KR" altLang="en-US" smtClean="0"/>
               <a:pPr/>
-              <a:t>2017-08-14</a:t>
+              <a:t>2017-08-16</a:t>
             </a:fld>
             <a:endParaRPr lang="ko-KR" altLang="en-US"/>
           </a:p>
@@ -2229,7 +2229,7 @@
             <a:fld id="{FB30EDBD-1C2D-4C1E-B459-B60219FAB484}" type="datetimeFigureOut">
               <a:rPr lang="ko-KR" altLang="en-US" smtClean="0"/>
               <a:pPr/>
-              <a:t>2017-08-14</a:t>
+              <a:t>2017-08-16</a:t>
             </a:fld>
             <a:endParaRPr lang="ko-KR" altLang="en-US"/>
           </a:p>
@@ -2479,7 +2479,7 @@
             <a:fld id="{FB30EDBD-1C2D-4C1E-B459-B60219FAB484}" type="datetimeFigureOut">
               <a:rPr lang="ko-KR" altLang="en-US" smtClean="0"/>
               <a:pPr/>
-              <a:t>2017-08-14</a:t>
+              <a:t>2017-08-16</a:t>
             </a:fld>
             <a:endParaRPr lang="ko-KR" altLang="en-US"/>
           </a:p>
@@ -2689,7 +2689,7 @@
             <a:fld id="{FB30EDBD-1C2D-4C1E-B459-B60219FAB484}" type="datetimeFigureOut">
               <a:rPr lang="ko-KR" altLang="en-US" smtClean="0"/>
               <a:pPr/>
-              <a:t>2017-08-14</a:t>
+              <a:t>2017-08-16</a:t>
             </a:fld>
             <a:endParaRPr lang="ko-KR" altLang="en-US"/>
           </a:p>
@@ -3068,8 +3068,8 @@
         </p:nvSpPr>
         <p:spPr>
           <a:xfrm>
-            <a:off x="4499992" y="1196752"/>
-            <a:ext cx="1800200" cy="1224136"/>
+            <a:off x="4429124" y="928670"/>
+            <a:ext cx="1800200" cy="1732182"/>
           </a:xfrm>
           <a:prstGeom prst="roundRect">
             <a:avLst>
@@ -3100,9 +3100,10 @@
           <a:lstStyle/>
           <a:p>
             <a:r>
-              <a:rPr lang="en-US" altLang="ko-KR" sz="1400" dirty="0" smtClean="0"/>
-              <a:t>Collector - TCP</a:t>
-            </a:r>
+              <a:rPr lang="en-US" altLang="ko-KR" sz="1400" smtClean="0"/>
+              <a:t>Collector</a:t>
+            </a:r>
+            <a:endParaRPr lang="en-US" altLang="ko-KR" sz="1400" dirty="0" smtClean="0"/>
           </a:p>
         </p:txBody>
       </p:sp>
@@ -3114,8 +3115,8 @@
         </p:nvSpPr>
         <p:spPr>
           <a:xfrm>
-            <a:off x="1907704" y="1340768"/>
-            <a:ext cx="1800200" cy="1008112"/>
+            <a:off x="500034" y="1000108"/>
+            <a:ext cx="2493490" cy="2231108"/>
           </a:xfrm>
           <a:prstGeom prst="roundRect">
             <a:avLst>
@@ -3154,21 +3155,23 @@
       </p:sp>
       <p:sp>
         <p:nvSpPr>
-          <p:cNvPr id="22" name="모서리가 둥근 직사각형 21"/>
+          <p:cNvPr id="6" name="모서리가 둥근 직사각형 5"/>
           <p:cNvSpPr/>
           <p:nvPr/>
         </p:nvSpPr>
         <p:spPr>
           <a:xfrm>
-            <a:off x="4499992" y="2780928"/>
-            <a:ext cx="1800200" cy="1008112"/>
+            <a:off x="5214942" y="1285860"/>
+            <a:ext cx="1080120" cy="288032"/>
           </a:xfrm>
           <a:prstGeom prst="roundRect">
             <a:avLst>
               <a:gd name="adj" fmla="val 1642"/>
             </a:avLst>
           </a:prstGeom>
-          <a:noFill/>
+          <a:solidFill>
+            <a:schemeClr val="bg1"/>
+          </a:solidFill>
           <a:ln>
             <a:prstDash val="sysDash"/>
           </a:ln>
@@ -3188,80 +3191,34 @@
           </a:fontRef>
         </p:style>
         <p:txBody>
-          <a:bodyPr rtlCol="0" anchor="t" anchorCtr="0"/>
-          <a:lstStyle/>
-          <a:p>
-            <a:r>
-              <a:rPr lang="en-US" altLang="ko-KR" sz="1400" dirty="0" smtClean="0"/>
-              <a:t>Collector - UDP</a:t>
-            </a:r>
-          </a:p>
-        </p:txBody>
-      </p:sp>
-      <p:sp>
-        <p:nvSpPr>
-          <p:cNvPr id="23" name="모서리가 둥근 직사각형 22"/>
+          <a:bodyPr rtlCol="0" anchor="ctr" anchorCtr="0"/>
+          <a:lstStyle/>
+          <a:p>
+            <a:pPr algn="ctr"/>
+            <a:r>
+              <a:rPr lang="en-US" altLang="ko-KR" sz="1200" dirty="0" smtClean="0"/>
+              <a:t>8088, TCP</a:t>
+            </a:r>
+          </a:p>
+        </p:txBody>
+      </p:sp>
+      <p:sp>
+        <p:nvSpPr>
+          <p:cNvPr id="8" name="모서리가 둥근 직사각형 7"/>
           <p:cNvSpPr/>
           <p:nvPr/>
         </p:nvSpPr>
         <p:spPr>
           <a:xfrm>
-            <a:off x="2699792" y="1772816"/>
-            <a:ext cx="1000132" cy="357190"/>
-          </a:xfrm>
-          <a:prstGeom prst="roundRect">
-            <a:avLst>
-              <a:gd name="adj" fmla="val 4519"/>
-            </a:avLst>
-          </a:prstGeom>
-        </p:spPr>
-        <p:style>
-          <a:lnRef idx="2">
-            <a:schemeClr val="accent2">
-              <a:shade val="50000"/>
-            </a:schemeClr>
-          </a:lnRef>
-          <a:fillRef idx="1">
-            <a:schemeClr val="accent2"/>
-          </a:fillRef>
-          <a:effectRef idx="0">
-            <a:schemeClr val="accent2"/>
-          </a:effectRef>
-          <a:fontRef idx="minor">
-            <a:schemeClr val="lt1"/>
-          </a:fontRef>
-        </p:style>
-        <p:txBody>
-          <a:bodyPr rtlCol="0" anchor="t" anchorCtr="0"/>
-          <a:lstStyle/>
-          <a:p>
-            <a:r>
-              <a:rPr lang="en-US" altLang="ko-KR" sz="1400" smtClean="0"/>
-              <a:t>batcher.c</a:t>
-            </a:r>
-            <a:endParaRPr lang="ko-KR" altLang="en-US" sz="1400"/>
-          </a:p>
-        </p:txBody>
-      </p:sp>
-      <p:sp>
-        <p:nvSpPr>
-          <p:cNvPr id="6" name="모서리가 둥근 직사각형 5"/>
-          <p:cNvSpPr/>
-          <p:nvPr/>
-        </p:nvSpPr>
-        <p:spPr>
-          <a:xfrm>
-            <a:off x="5292080" y="2060848"/>
-            <a:ext cx="1080120" cy="288032"/>
+            <a:off x="4572000" y="4077072"/>
+            <a:ext cx="1800200" cy="1008112"/>
           </a:xfrm>
           <a:prstGeom prst="roundRect">
             <a:avLst>
               <a:gd name="adj" fmla="val 1642"/>
             </a:avLst>
           </a:prstGeom>
-          <a:solidFill>
-            <a:schemeClr val="bg1"/>
-          </a:solidFill>
+          <a:noFill/>
           <a:ln>
             <a:prstDash val="sysDash"/>
           </a:ln>
@@ -3281,27 +3238,25 @@
           </a:fontRef>
         </p:style>
         <p:txBody>
-          <a:bodyPr rtlCol="0" anchor="ctr" anchorCtr="0"/>
-          <a:lstStyle/>
-          <a:p>
-            <a:pPr algn="ctr"/>
-            <a:r>
-              <a:rPr lang="en-US" altLang="ko-KR" sz="1200" dirty="0" smtClean="0"/>
-              <a:t>8088, TCP</a:t>
-            </a:r>
-            <a:endParaRPr lang="en-US" altLang="ko-KR" sz="1200" dirty="0" smtClean="0"/>
-          </a:p>
-        </p:txBody>
-      </p:sp>
-      <p:sp>
-        <p:nvSpPr>
-          <p:cNvPr id="7" name="모서리가 둥근 직사각형 6"/>
+          <a:bodyPr rtlCol="0" anchor="t" anchorCtr="0"/>
+          <a:lstStyle/>
+          <a:p>
+            <a:r>
+              <a:rPr lang="en-US" altLang="ko-KR" sz="1400" dirty="0" smtClean="0"/>
+              <a:t>Monitoring</a:t>
+            </a:r>
+          </a:p>
+        </p:txBody>
+      </p:sp>
+      <p:sp>
+        <p:nvSpPr>
+          <p:cNvPr id="9" name="모서리가 둥근 직사각형 8"/>
           <p:cNvSpPr/>
           <p:nvPr/>
         </p:nvSpPr>
         <p:spPr>
           <a:xfrm>
-            <a:off x="5292080" y="3356992"/>
+            <a:off x="5364088" y="4653136"/>
             <a:ext cx="1080120" cy="288032"/>
           </a:xfrm>
           <a:prstGeom prst="roundRect">
@@ -3337,29 +3292,75 @@
             <a:pPr algn="ctr"/>
             <a:r>
               <a:rPr lang="en-US" altLang="ko-KR" sz="1200" dirty="0" smtClean="0"/>
-              <a:t>514, UDP</a:t>
-            </a:r>
-            <a:endParaRPr lang="en-US" altLang="ko-KR" sz="1200" dirty="0" smtClean="0"/>
-          </a:p>
-        </p:txBody>
-      </p:sp>
-      <p:sp>
-        <p:nvSpPr>
-          <p:cNvPr id="8" name="모서리가 둥근 직사각형 7"/>
+              <a:t>8080, HTTPS</a:t>
+            </a:r>
+          </a:p>
+        </p:txBody>
+      </p:sp>
+      <p:sp>
+        <p:nvSpPr>
+          <p:cNvPr id="10" name="모서리가 둥근 직사각형 9"/>
           <p:cNvSpPr/>
           <p:nvPr/>
         </p:nvSpPr>
         <p:spPr>
           <a:xfrm>
-            <a:off x="4572000" y="4077072"/>
-            <a:ext cx="1800200" cy="1008112"/>
+            <a:off x="2000232" y="1445266"/>
+            <a:ext cx="1080120" cy="288032"/>
           </a:xfrm>
           <a:prstGeom prst="roundRect">
             <a:avLst>
               <a:gd name="adj" fmla="val 1642"/>
             </a:avLst>
           </a:prstGeom>
-          <a:noFill/>
+          <a:ln/>
+        </p:spPr>
+        <p:style>
+          <a:lnRef idx="1">
+            <a:schemeClr val="accent6"/>
+          </a:lnRef>
+          <a:fillRef idx="2">
+            <a:schemeClr val="accent6"/>
+          </a:fillRef>
+          <a:effectRef idx="1">
+            <a:schemeClr val="accent6"/>
+          </a:effectRef>
+          <a:fontRef idx="minor">
+            <a:schemeClr val="dk1"/>
+          </a:fontRef>
+        </p:style>
+        <p:txBody>
+          <a:bodyPr rtlCol="0" anchor="ctr" anchorCtr="0"/>
+          <a:lstStyle/>
+          <a:p>
+            <a:pPr algn="ctr"/>
+            <a:r>
+              <a:rPr lang="en-US" altLang="ko-KR" sz="1200" smtClean="0"/>
+              <a:t>C, Event</a:t>
+            </a:r>
+            <a:endParaRPr lang="en-US" altLang="ko-KR" sz="1200" dirty="0" smtClean="0"/>
+          </a:p>
+        </p:txBody>
+      </p:sp>
+      <p:sp>
+        <p:nvSpPr>
+          <p:cNvPr id="12" name="모서리가 둥근 직사각형 11"/>
+          <p:cNvSpPr/>
+          <p:nvPr/>
+        </p:nvSpPr>
+        <p:spPr>
+          <a:xfrm>
+            <a:off x="714348" y="2802588"/>
+            <a:ext cx="2143140" cy="288032"/>
+          </a:xfrm>
+          <a:prstGeom prst="roundRect">
+            <a:avLst>
+              <a:gd name="adj" fmla="val 1642"/>
+            </a:avLst>
+          </a:prstGeom>
+          <a:solidFill>
+            <a:schemeClr val="bg1"/>
+          </a:solidFill>
           <a:ln>
             <a:prstDash val="sysDash"/>
           </a:ln>
@@ -3379,36 +3380,35 @@
           </a:fontRef>
         </p:style>
         <p:txBody>
-          <a:bodyPr rtlCol="0" anchor="t" anchorCtr="0"/>
-          <a:lstStyle/>
-          <a:p>
-            <a:r>
-              <a:rPr lang="en-US" altLang="ko-KR" sz="1400" dirty="0" smtClean="0"/>
-              <a:t>Monitoring</a:t>
-            </a:r>
-            <a:endParaRPr lang="en-US" altLang="ko-KR" sz="1400" dirty="0" smtClean="0"/>
-          </a:p>
-        </p:txBody>
-      </p:sp>
-      <p:sp>
-        <p:nvSpPr>
-          <p:cNvPr id="9" name="모서리가 둥근 직사각형 8"/>
+          <a:bodyPr rtlCol="0" anchor="ctr" anchorCtr="0"/>
+          <a:lstStyle/>
+          <a:p>
+            <a:pPr algn="ctr"/>
+            <a:r>
+              <a:rPr lang="en-US" altLang="ko-KR" sz="1200" smtClean="0"/>
+              <a:t>Queue</a:t>
+            </a:r>
+            <a:endParaRPr lang="en-US" altLang="ko-KR" sz="1200" dirty="0" smtClean="0"/>
+          </a:p>
+        </p:txBody>
+      </p:sp>
+      <p:sp>
+        <p:nvSpPr>
+          <p:cNvPr id="13" name="모서리가 둥근 직사각형 12"/>
           <p:cNvSpPr/>
           <p:nvPr/>
         </p:nvSpPr>
         <p:spPr>
           <a:xfrm>
-            <a:off x="5364088" y="4653136"/>
-            <a:ext cx="1080120" cy="288032"/>
+            <a:off x="7143768" y="1000108"/>
+            <a:ext cx="1800200" cy="1732182"/>
           </a:xfrm>
           <a:prstGeom prst="roundRect">
             <a:avLst>
               <a:gd name="adj" fmla="val 1642"/>
             </a:avLst>
           </a:prstGeom>
-          <a:solidFill>
-            <a:schemeClr val="bg1"/>
-          </a:solidFill>
+          <a:noFill/>
           <a:ln>
             <a:prstDash val="sysDash"/>
           </a:ln>
@@ -3428,17 +3428,104 @@
           </a:fontRef>
         </p:style>
         <p:txBody>
+          <a:bodyPr rtlCol="0" anchor="t" anchorCtr="0"/>
+          <a:lstStyle/>
+          <a:p>
+            <a:r>
+              <a:rPr lang="en-US" altLang="ko-KR" sz="1400" smtClean="0"/>
+              <a:t>Client</a:t>
+            </a:r>
+            <a:endParaRPr lang="en-US" altLang="ko-KR" sz="1400" dirty="0" smtClean="0"/>
+          </a:p>
+        </p:txBody>
+      </p:sp>
+      <p:sp>
+        <p:nvSpPr>
+          <p:cNvPr id="14" name="모서리가 둥근 직사각형 13"/>
+          <p:cNvSpPr/>
+          <p:nvPr/>
+        </p:nvSpPr>
+        <p:spPr>
+          <a:xfrm>
+            <a:off x="7000892" y="1357298"/>
+            <a:ext cx="1080120" cy="288032"/>
+          </a:xfrm>
+          <a:prstGeom prst="roundRect">
+            <a:avLst>
+              <a:gd name="adj" fmla="val 1642"/>
+            </a:avLst>
+          </a:prstGeom>
+          <a:solidFill>
+            <a:schemeClr val="bg1"/>
+          </a:solidFill>
+          <a:ln>
+            <a:prstDash val="sysDash"/>
+          </a:ln>
+        </p:spPr>
+        <p:style>
+          <a:lnRef idx="1">
+            <a:schemeClr val="accent1"/>
+          </a:lnRef>
+          <a:fillRef idx="2">
+            <a:schemeClr val="accent1"/>
+          </a:fillRef>
+          <a:effectRef idx="1">
+            <a:schemeClr val="accent1"/>
+          </a:effectRef>
+          <a:fontRef idx="minor">
+            <a:schemeClr val="dk1"/>
+          </a:fontRef>
+        </p:style>
+        <p:txBody>
           <a:bodyPr rtlCol="0" anchor="ctr" anchorCtr="0"/>
           <a:lstStyle/>
           <a:p>
             <a:pPr algn="ctr"/>
             <a:r>
               <a:rPr lang="en-US" altLang="ko-KR" sz="1200" dirty="0" smtClean="0"/>
-              <a:t>8080, HTTPS</a:t>
-            </a:r>
-          </a:p>
-        </p:txBody>
-      </p:sp>
+              <a:t>8088, TCP</a:t>
+            </a:r>
+          </a:p>
+        </p:txBody>
+      </p:sp>
+      <p:cxnSp>
+        <p:nvCxnSpPr>
+          <p:cNvPr id="16" name="직선 화살표 연결선 15"/>
+          <p:cNvCxnSpPr>
+            <a:stCxn id="6" idx="1"/>
+            <a:endCxn id="10" idx="3"/>
+          </p:cNvCxnSpPr>
+          <p:nvPr/>
+        </p:nvCxnSpPr>
+        <p:spPr>
+          <a:xfrm rot="10800000" flipV="1">
+            <a:off x="3080352" y="1429876"/>
+            <a:ext cx="2134590" cy="159406"/>
+          </a:xfrm>
+          <a:prstGeom prst="straightConnector1">
+            <a:avLst/>
+          </a:prstGeom>
+          <a:ln>
+            <a:prstDash val="dash"/>
+            <a:headEnd type="oval" w="med" len="med"/>
+            <a:tailEnd type="triangle" w="med" len="med"/>
+          </a:ln>
+        </p:spPr>
+        <p:style>
+          <a:lnRef idx="1">
+            <a:schemeClr val="accent1"/>
+          </a:lnRef>
+          <a:fillRef idx="0">
+            <a:schemeClr val="accent1"/>
+          </a:fillRef>
+          <a:effectRef idx="0">
+            <a:schemeClr val="accent1"/>
+          </a:effectRef>
+          <a:fontRef idx="minor">
+            <a:schemeClr val="tx1"/>
+          </a:fontRef>
+        </p:style>
+      </p:cxnSp>
     </p:spTree>
   </p:cSld>
   <p:clrMapOvr>
